--- a/Procedures/ItC - Procedure 01 - ROBOTC Setup+Debug.pptx
+++ b/Procedures/ItC - Procedure 01 - ROBOTC Setup+Debug.pptx
@@ -110,6 +110,11 @@
       </a:defRPr>
     </a:lvl9pPr>
   </p:defaultTextStyle>
+  <p:extLst>
+    <p:ext uri="{EFAFB233-063F-42B5-8137-9DF3F51BA10A}">
+      <p15:sldGuideLst xmlns:p15="http://schemas.microsoft.com/office/powerpoint/2012/main"/>
+    </p:ext>
+  </p:extLst>
 </p:presentation>
 </file>
 
@@ -468,7 +473,7 @@
           <a:p>
             <a:fld id="{124434E0-930D-44C7-8E44-2EB47E640525}" type="datetimeFigureOut">
               <a:rPr lang="en-US" smtClean="0"/>
-              <a:t>1/9/2020</a:t>
+              <a:t>1/10/2020</a:t>
             </a:fld>
             <a:endParaRPr lang="en-US"/>
           </a:p>
@@ -666,7 +671,7 @@
           <a:p>
             <a:fld id="{124434E0-930D-44C7-8E44-2EB47E640525}" type="datetimeFigureOut">
               <a:rPr lang="en-US" smtClean="0"/>
-              <a:t>1/9/2020</a:t>
+              <a:t>1/10/2020</a:t>
             </a:fld>
             <a:endParaRPr lang="en-US"/>
           </a:p>
@@ -874,7 +879,7 @@
           <a:p>
             <a:fld id="{124434E0-930D-44C7-8E44-2EB47E640525}" type="datetimeFigureOut">
               <a:rPr lang="en-US" smtClean="0"/>
-              <a:t>1/9/2020</a:t>
+              <a:t>1/10/2020</a:t>
             </a:fld>
             <a:endParaRPr lang="en-US"/>
           </a:p>
@@ -1072,7 +1077,7 @@
           <a:p>
             <a:fld id="{124434E0-930D-44C7-8E44-2EB47E640525}" type="datetimeFigureOut">
               <a:rPr lang="en-US" smtClean="0"/>
-              <a:t>1/9/2020</a:t>
+              <a:t>1/10/2020</a:t>
             </a:fld>
             <a:endParaRPr lang="en-US"/>
           </a:p>
@@ -1347,7 +1352,7 @@
           <a:p>
             <a:fld id="{124434E0-930D-44C7-8E44-2EB47E640525}" type="datetimeFigureOut">
               <a:rPr lang="en-US" smtClean="0"/>
-              <a:t>1/9/2020</a:t>
+              <a:t>1/10/2020</a:t>
             </a:fld>
             <a:endParaRPr lang="en-US"/>
           </a:p>
@@ -1612,7 +1617,7 @@
           <a:p>
             <a:fld id="{124434E0-930D-44C7-8E44-2EB47E640525}" type="datetimeFigureOut">
               <a:rPr lang="en-US" smtClean="0"/>
-              <a:t>1/9/2020</a:t>
+              <a:t>1/10/2020</a:t>
             </a:fld>
             <a:endParaRPr lang="en-US"/>
           </a:p>
@@ -2024,7 +2029,7 @@
           <a:p>
             <a:fld id="{124434E0-930D-44C7-8E44-2EB47E640525}" type="datetimeFigureOut">
               <a:rPr lang="en-US" smtClean="0"/>
-              <a:t>1/9/2020</a:t>
+              <a:t>1/10/2020</a:t>
             </a:fld>
             <a:endParaRPr lang="en-US"/>
           </a:p>
@@ -2165,7 +2170,7 @@
           <a:p>
             <a:fld id="{124434E0-930D-44C7-8E44-2EB47E640525}" type="datetimeFigureOut">
               <a:rPr lang="en-US" smtClean="0"/>
-              <a:t>1/9/2020</a:t>
+              <a:t>1/10/2020</a:t>
             </a:fld>
             <a:endParaRPr lang="en-US"/>
           </a:p>
@@ -2278,7 +2283,7 @@
           <a:p>
             <a:fld id="{124434E0-930D-44C7-8E44-2EB47E640525}" type="datetimeFigureOut">
               <a:rPr lang="en-US" smtClean="0"/>
-              <a:t>1/9/2020</a:t>
+              <a:t>1/10/2020</a:t>
             </a:fld>
             <a:endParaRPr lang="en-US"/>
           </a:p>
@@ -2589,7 +2594,7 @@
           <a:p>
             <a:fld id="{124434E0-930D-44C7-8E44-2EB47E640525}" type="datetimeFigureOut">
               <a:rPr lang="en-US" smtClean="0"/>
-              <a:t>1/9/2020</a:t>
+              <a:t>1/10/2020</a:t>
             </a:fld>
             <a:endParaRPr lang="en-US"/>
           </a:p>
@@ -2877,7 +2882,7 @@
           <a:p>
             <a:fld id="{124434E0-930D-44C7-8E44-2EB47E640525}" type="datetimeFigureOut">
               <a:rPr lang="en-US" smtClean="0"/>
-              <a:t>1/9/2020</a:t>
+              <a:t>1/10/2020</a:t>
             </a:fld>
             <a:endParaRPr lang="en-US"/>
           </a:p>
@@ -3118,7 +3123,7 @@
           <a:p>
             <a:fld id="{124434E0-930D-44C7-8E44-2EB47E640525}" type="datetimeFigureOut">
               <a:rPr lang="en-US" smtClean="0"/>
-              <a:t>1/9/2020</a:t>
+              <a:t>1/10/2020</a:t>
             </a:fld>
             <a:endParaRPr lang="en-US"/>
           </a:p>
@@ -3604,13 +3609,7 @@
               <a:rPr lang="en-US" sz="4000" dirty="0">
                 <a:latin typeface="Gill Sans MT"/>
               </a:rPr>
-              <a:t> – ROBOTC for Vex I/</a:t>
-            </a:r>
-            <a:r>
-              <a:rPr lang="en-US" sz="4000" dirty="0" err="1">
-                <a:latin typeface="Gill Sans MT"/>
-              </a:rPr>
-              <a:t>Os</a:t>
+              <a:t> – ROBOTC Setup &amp; Debug</a:t>
             </a:r>
             <a:endParaRPr lang="en-US" sz="4000" dirty="0"/>
           </a:p>
@@ -3679,15 +3678,7 @@
               <a:rPr lang="en-US" dirty="0">
                 <a:latin typeface="Gill Sans MT"/>
               </a:rPr>
-              <a:t>Programming Outputs</a:t>
-            </a:r>
-          </a:p>
-          <a:p>
-            <a:r>
-              <a:rPr lang="en-US" dirty="0">
-                <a:latin typeface="Gill Sans MT"/>
-              </a:rPr>
-              <a:t>Programming Inputs</a:t>
+              <a:t>Cortex Debug</a:t>
             </a:r>
           </a:p>
           <a:p>
@@ -6660,18 +6651,18 @@
 </file>
 
 <file path=customXml/item2.xml><?xml version="1.0" encoding="utf-8"?>
+<p:properties xmlns:p="http://schemas.microsoft.com/office/2006/metadata/properties" xmlns:xsi="http://www.w3.org/2001/XMLSchema-instance" xmlns:pc="http://schemas.microsoft.com/office/infopath/2007/PartnerControls">
+  <documentManagement/>
+</p:properties>
+</file>
+
+<file path=customXml/item3.xml><?xml version="1.0" encoding="utf-8"?>
 <?mso-contentType ?>
 <FormTemplates xmlns="http://schemas.microsoft.com/sharepoint/v3/contenttype/forms">
   <Display>DocumentLibraryForm</Display>
   <Edit>DocumentLibraryForm</Edit>
   <New>DocumentLibraryForm</New>
 </FormTemplates>
-</file>
-
-<file path=customXml/item3.xml><?xml version="1.0" encoding="utf-8"?>
-<p:properties xmlns:p="http://schemas.microsoft.com/office/2006/metadata/properties" xmlns:xsi="http://www.w3.org/2001/XMLSchema-instance" xmlns:pc="http://schemas.microsoft.com/office/infopath/2007/PartnerControls">
-  <documentManagement/>
-</p:properties>
 </file>
 
 <file path=customXml/itemProps1.xml><?xml version="1.0" encoding="utf-8"?>
@@ -6694,14 +6685,6 @@
 </file>
 
 <file path=customXml/itemProps2.xml><?xml version="1.0" encoding="utf-8"?>
-<ds:datastoreItem xmlns:ds="http://schemas.openxmlformats.org/officeDocument/2006/customXml" ds:itemID="{47DC32A7-81A2-4FF8-8601-D53B8F3609D0}">
-  <ds:schemaRefs>
-    <ds:schemaRef ds:uri="http://schemas.microsoft.com/sharepoint/v3/contenttype/forms"/>
-  </ds:schemaRefs>
-</ds:datastoreItem>
-</file>
-
-<file path=customXml/itemProps3.xml><?xml version="1.0" encoding="utf-8"?>
 <ds:datastoreItem xmlns:ds="http://schemas.openxmlformats.org/officeDocument/2006/customXml" ds:itemID="{4DEF275F-4D14-42BB-B062-39E39121DDB6}">
   <ds:schemaRefs>
     <ds:schemaRef ds:uri="0763945f-b588-479b-8b34-69271d6243d3"/>
@@ -6716,4 +6699,12 @@
     <ds:schemaRef ds:uri="http://schemas.microsoft.com/office/2006/metadata/properties"/>
   </ds:schemaRefs>
 </ds:datastoreItem>
+</file>
+
+<file path=customXml/itemProps3.xml><?xml version="1.0" encoding="utf-8"?>
+<ds:datastoreItem xmlns:ds="http://schemas.openxmlformats.org/officeDocument/2006/customXml" ds:itemID="{47DC32A7-81A2-4FF8-8601-D53B8F3609D0}">
+  <ds:schemaRefs>
+    <ds:schemaRef ds:uri="http://schemas.microsoft.com/sharepoint/v3/contenttype/forms"/>
+  </ds:schemaRefs>
+</ds:datastoreItem>
 </file>
--- a/Procedures/ItC - Procedure 01 - ROBOTC Setup+Debug.pptx
+++ b/Procedures/ItC - Procedure 01 - ROBOTC Setup+Debug.pptx
@@ -473,7 +473,7 @@
           <a:p>
             <a:fld id="{124434E0-930D-44C7-8E44-2EB47E640525}" type="datetimeFigureOut">
               <a:rPr lang="en-US" smtClean="0"/>
-              <a:t>1/10/2020</a:t>
+              <a:t>1/14/2020</a:t>
             </a:fld>
             <a:endParaRPr lang="en-US"/>
           </a:p>
@@ -671,7 +671,7 @@
           <a:p>
             <a:fld id="{124434E0-930D-44C7-8E44-2EB47E640525}" type="datetimeFigureOut">
               <a:rPr lang="en-US" smtClean="0"/>
-              <a:t>1/10/2020</a:t>
+              <a:t>1/14/2020</a:t>
             </a:fld>
             <a:endParaRPr lang="en-US"/>
           </a:p>
@@ -879,7 +879,7 @@
           <a:p>
             <a:fld id="{124434E0-930D-44C7-8E44-2EB47E640525}" type="datetimeFigureOut">
               <a:rPr lang="en-US" smtClean="0"/>
-              <a:t>1/10/2020</a:t>
+              <a:t>1/14/2020</a:t>
             </a:fld>
             <a:endParaRPr lang="en-US"/>
           </a:p>
@@ -1077,7 +1077,7 @@
           <a:p>
             <a:fld id="{124434E0-930D-44C7-8E44-2EB47E640525}" type="datetimeFigureOut">
               <a:rPr lang="en-US" smtClean="0"/>
-              <a:t>1/10/2020</a:t>
+              <a:t>1/14/2020</a:t>
             </a:fld>
             <a:endParaRPr lang="en-US"/>
           </a:p>
@@ -1352,7 +1352,7 @@
           <a:p>
             <a:fld id="{124434E0-930D-44C7-8E44-2EB47E640525}" type="datetimeFigureOut">
               <a:rPr lang="en-US" smtClean="0"/>
-              <a:t>1/10/2020</a:t>
+              <a:t>1/14/2020</a:t>
             </a:fld>
             <a:endParaRPr lang="en-US"/>
           </a:p>
@@ -1617,7 +1617,7 @@
           <a:p>
             <a:fld id="{124434E0-930D-44C7-8E44-2EB47E640525}" type="datetimeFigureOut">
               <a:rPr lang="en-US" smtClean="0"/>
-              <a:t>1/10/2020</a:t>
+              <a:t>1/14/2020</a:t>
             </a:fld>
             <a:endParaRPr lang="en-US"/>
           </a:p>
@@ -2029,7 +2029,7 @@
           <a:p>
             <a:fld id="{124434E0-930D-44C7-8E44-2EB47E640525}" type="datetimeFigureOut">
               <a:rPr lang="en-US" smtClean="0"/>
-              <a:t>1/10/2020</a:t>
+              <a:t>1/14/2020</a:t>
             </a:fld>
             <a:endParaRPr lang="en-US"/>
           </a:p>
@@ -2170,7 +2170,7 @@
           <a:p>
             <a:fld id="{124434E0-930D-44C7-8E44-2EB47E640525}" type="datetimeFigureOut">
               <a:rPr lang="en-US" smtClean="0"/>
-              <a:t>1/10/2020</a:t>
+              <a:t>1/14/2020</a:t>
             </a:fld>
             <a:endParaRPr lang="en-US"/>
           </a:p>
@@ -2283,7 +2283,7 @@
           <a:p>
             <a:fld id="{124434E0-930D-44C7-8E44-2EB47E640525}" type="datetimeFigureOut">
               <a:rPr lang="en-US" smtClean="0"/>
-              <a:t>1/10/2020</a:t>
+              <a:t>1/14/2020</a:t>
             </a:fld>
             <a:endParaRPr lang="en-US"/>
           </a:p>
@@ -2594,7 +2594,7 @@
           <a:p>
             <a:fld id="{124434E0-930D-44C7-8E44-2EB47E640525}" type="datetimeFigureOut">
               <a:rPr lang="en-US" smtClean="0"/>
-              <a:t>1/10/2020</a:t>
+              <a:t>1/14/2020</a:t>
             </a:fld>
             <a:endParaRPr lang="en-US"/>
           </a:p>
@@ -2882,7 +2882,7 @@
           <a:p>
             <a:fld id="{124434E0-930D-44C7-8E44-2EB47E640525}" type="datetimeFigureOut">
               <a:rPr lang="en-US" smtClean="0"/>
-              <a:t>1/10/2020</a:t>
+              <a:t>1/14/2020</a:t>
             </a:fld>
             <a:endParaRPr lang="en-US"/>
           </a:p>
@@ -3123,7 +3123,7 @@
           <a:p>
             <a:fld id="{124434E0-930D-44C7-8E44-2EB47E640525}" type="datetimeFigureOut">
               <a:rPr lang="en-US" smtClean="0"/>
-              <a:t>1/10/2020</a:t>
+              <a:t>1/14/2020</a:t>
             </a:fld>
             <a:endParaRPr lang="en-US"/>
           </a:p>
@@ -4325,7 +4325,7 @@
         </p:spPr>
         <p:txBody>
           <a:bodyPr vert="horz" lIns="91440" tIns="45720" rIns="91440" bIns="45720" rtlCol="0" anchor="t">
-            <a:normAutofit fontScale="92500" lnSpcReduction="10000"/>
+            <a:normAutofit lnSpcReduction="10000"/>
           </a:bodyPr>
           <a:lstStyle/>
           <a:p>
@@ -4485,21 +4485,30 @@
                 <a:latin typeface="Gill Sans MT" panose="020B0502020104020203" pitchFamily="34" charset="0"/>
                 <a:ea typeface="Times New Roman" panose="02020603050405020304" pitchFamily="18" charset="0"/>
               </a:rPr>
-              <a:t>Click File, Save As, and save to your team’s OneDrive Folder under the naming convention, “</a:t>
-            </a:r>
-            <a:r>
-              <a:rPr lang="en-US" dirty="0" err="1">
-                <a:latin typeface="Gill Sans MT" panose="020B0502020104020203" pitchFamily="34" charset="0"/>
-                <a:ea typeface="Times New Roman" panose="02020603050405020304" pitchFamily="18" charset="0"/>
-              </a:rPr>
-              <a:t>ObastacleRacer_Team</a:t>
-            </a:r>
+              <a:t>Ensure Natural Language is selected.</a:t>
+            </a:r>
+          </a:p>
+          <a:p>
+            <a:pPr marL="1428750" lvl="2" indent="-514350">
+              <a:spcBef>
+                <a:spcPts val="0"/>
+              </a:spcBef>
+              <a:spcAft>
+                <a:spcPts val="600"/>
+              </a:spcAft>
+              <a:buFont typeface="+mj-lt"/>
+              <a:buAutoNum type="romanLcPeriod"/>
+              <a:tabLst>
+                <a:tab pos="228600" algn="l"/>
+                <a:tab pos="914400" algn="l"/>
+              </a:tabLst>
+            </a:pPr>
             <a:r>
               <a:rPr lang="en-US" dirty="0">
                 <a:latin typeface="Gill Sans MT" panose="020B0502020104020203" pitchFamily="34" charset="0"/>
                 <a:ea typeface="Times New Roman" panose="02020603050405020304" pitchFamily="18" charset="0"/>
               </a:rPr>
-              <a:t>#”.</a:t>
+              <a:t>Click Robot &gt; Platform Type &gt; Natural Language PLTW</a:t>
             </a:r>
           </a:p>
           <a:p>
@@ -4522,7 +4531,21 @@
                 <a:latin typeface="Gill Sans MT" panose="020B0502020104020203" pitchFamily="34" charset="0"/>
                 <a:ea typeface="Times New Roman" panose="02020603050405020304" pitchFamily="18" charset="0"/>
               </a:rPr>
-              <a:t>Complete the Project Title, Team Members, Date, and Section. Leave Task Description and Pseudocode blank for now.</a:t>
+              <a:t>Click File, Save As, and save to your team’s OneDrive Folder under the naming convention, “</a:t>
+            </a:r>
+            <a:r>
+              <a:rPr lang="en-US" dirty="0" err="1">
+                <a:latin typeface="Gill Sans MT" panose="020B0502020104020203" pitchFamily="34" charset="0"/>
+                <a:ea typeface="Times New Roman" panose="02020603050405020304" pitchFamily="18" charset="0"/>
+              </a:rPr>
+              <a:t>ObstacleRacer_Team</a:t>
+            </a:r>
+            <a:r>
+              <a:rPr lang="en-US" dirty="0">
+                <a:latin typeface="Gill Sans MT" panose="020B0502020104020203" pitchFamily="34" charset="0"/>
+                <a:ea typeface="Times New Roman" panose="02020603050405020304" pitchFamily="18" charset="0"/>
+              </a:rPr>
+              <a:t>#”.</a:t>
             </a:r>
           </a:p>
           <a:p>
@@ -4545,53 +4568,7 @@
                 <a:latin typeface="Gill Sans MT" panose="020B0502020104020203" pitchFamily="34" charset="0"/>
                 <a:ea typeface="Times New Roman" panose="02020603050405020304" pitchFamily="18" charset="0"/>
               </a:rPr>
-              <a:t>Click Robot.</a:t>
-            </a:r>
-          </a:p>
-          <a:p>
-            <a:pPr marL="742950" marR="0" lvl="1" indent="-285750">
-              <a:spcBef>
-                <a:spcPts val="0"/>
-              </a:spcBef>
-              <a:spcAft>
-                <a:spcPts val="600"/>
-              </a:spcAft>
-              <a:buFont typeface="+mj-lt"/>
-              <a:buAutoNum type="alphaLcPeriod" startAt="2"/>
-              <a:tabLst>
-                <a:tab pos="228600" algn="l"/>
-                <a:tab pos="914400" algn="l"/>
-              </a:tabLst>
-            </a:pPr>
-            <a:r>
-              <a:rPr lang="en-US" dirty="0">
-                <a:latin typeface="Gill Sans MT" panose="020B0502020104020203" pitchFamily="34" charset="0"/>
-                <a:ea typeface="Times New Roman" panose="02020603050405020304" pitchFamily="18" charset="0"/>
-              </a:rPr>
-              <a:t>Click Motors and Sensors Set up.</a:t>
-            </a:r>
-          </a:p>
-          <a:p>
-            <a:pPr marL="742950" marR="0" lvl="1" indent="-285750">
-              <a:spcBef>
-                <a:spcPts val="0"/>
-              </a:spcBef>
-              <a:spcAft>
-                <a:spcPts val="600"/>
-              </a:spcAft>
-              <a:buFont typeface="+mj-lt"/>
-              <a:buAutoNum type="alphaLcPeriod" startAt="2"/>
-              <a:tabLst>
-                <a:tab pos="228600" algn="l"/>
-                <a:tab pos="914400" algn="l"/>
-              </a:tabLst>
-            </a:pPr>
-            <a:r>
-              <a:rPr lang="en-US" dirty="0">
-                <a:latin typeface="Gill Sans MT" panose="020B0502020104020203" pitchFamily="34" charset="0"/>
-                <a:ea typeface="Times New Roman" panose="02020603050405020304" pitchFamily="18" charset="0"/>
-              </a:rPr>
-              <a:t>Add the motors and sensors as shown below.</a:t>
+              <a:t>Complete the Project Title, Team Members, Date, and Section. Leave Task Description and Pseudocode blank for now.</a:t>
             </a:r>
           </a:p>
           <a:p>
@@ -4730,7 +4707,7 @@
         </p:nvSpPr>
         <p:spPr>
           <a:xfrm>
-            <a:off x="838200" y="1293778"/>
+            <a:off x="838200" y="3096206"/>
             <a:ext cx="5181600" cy="4351338"/>
           </a:xfrm>
         </p:spPr>
@@ -4889,7 +4866,7 @@
         </p:nvSpPr>
         <p:spPr>
           <a:xfrm>
-            <a:off x="6172200" y="1293778"/>
+            <a:off x="6172200" y="3096206"/>
             <a:ext cx="5181600" cy="4351338"/>
           </a:xfrm>
         </p:spPr>
@@ -4933,16 +4910,15 @@
           </p:cNvPicPr>
           <p:nvPr/>
         </p:nvPicPr>
-        <p:blipFill>
+        <p:blipFill rotWithShape="1">
           <a:blip r:embed="rId3"/>
-          <a:stretch>
-            <a:fillRect/>
-          </a:stretch>
+          <a:srcRect b="47047"/>
+          <a:stretch/>
         </p:blipFill>
         <p:spPr>
           <a:xfrm>
-            <a:off x="6572250" y="1968074"/>
-            <a:ext cx="4381500" cy="3810000"/>
+            <a:off x="6572250" y="3895438"/>
+            <a:ext cx="4381500" cy="2017493"/>
           </a:xfrm>
           <a:prstGeom prst="rect">
             <a:avLst/>
@@ -5000,22 +4976,140 @@
           </p:cNvPicPr>
           <p:nvPr/>
         </p:nvPicPr>
-        <p:blipFill>
+        <p:blipFill rotWithShape="1">
           <a:blip r:embed="rId4"/>
-          <a:stretch>
-            <a:fillRect/>
-          </a:stretch>
+          <a:srcRect b="44616"/>
+          <a:stretch/>
         </p:blipFill>
         <p:spPr>
           <a:xfrm>
-            <a:off x="1117243" y="2144286"/>
-            <a:ext cx="3743325" cy="3457575"/>
+            <a:off x="1117243" y="3946715"/>
+            <a:ext cx="3743325" cy="1914940"/>
           </a:xfrm>
           <a:prstGeom prst="rect">
             <a:avLst/>
           </a:prstGeom>
         </p:spPr>
       </p:pic>
+      <p:sp>
+        <p:nvSpPr>
+          <p:cNvPr id="12" name="TextBox 11">
+            <a:extLst>
+              <a:ext uri="{FF2B5EF4-FFF2-40B4-BE49-F238E27FC236}">
+                <a16:creationId xmlns:a16="http://schemas.microsoft.com/office/drawing/2014/main" id="{807468A0-1433-411D-A6C6-192622DF0709}"/>
+              </a:ext>
+            </a:extLst>
+          </p:cNvPr>
+          <p:cNvSpPr txBox="1"/>
+          <p:nvPr/>
+        </p:nvSpPr>
+        <p:spPr>
+          <a:xfrm>
+            <a:off x="838200" y="1714704"/>
+            <a:ext cx="5200719" cy="2015936"/>
+          </a:xfrm>
+          <a:prstGeom prst="rect">
+            <a:avLst/>
+          </a:prstGeom>
+          <a:noFill/>
+        </p:spPr>
+        <p:txBody>
+          <a:bodyPr wrap="none" rtlCol="0">
+            <a:spAutoFit/>
+          </a:bodyPr>
+          <a:lstStyle/>
+          <a:p>
+            <a:r>
+              <a:rPr lang="en-US" sz="2600" dirty="0">
+                <a:latin typeface="Gill Sans MT" panose="020B0502020104020203" pitchFamily="34" charset="0"/>
+              </a:rPr>
+              <a:t>3. </a:t>
+            </a:r>
+            <a:r>
+              <a:rPr lang="en-US" sz="2800" dirty="0">
+                <a:latin typeface="Gill Sans MT" panose="020B0502020104020203" pitchFamily="34" charset="0"/>
+                <a:ea typeface="Times New Roman" panose="02020603050405020304" pitchFamily="18" charset="0"/>
+              </a:rPr>
+              <a:t>Set up the motors and sensors.</a:t>
+            </a:r>
+          </a:p>
+          <a:p>
+            <a:pPr marL="800100" marR="0" lvl="1" indent="-342900">
+              <a:spcBef>
+                <a:spcPts val="0"/>
+              </a:spcBef>
+              <a:spcAft>
+                <a:spcPts val="600"/>
+              </a:spcAft>
+              <a:buFont typeface="+mj-lt"/>
+              <a:buAutoNum type="alphaLcPeriod" startAt="6"/>
+              <a:tabLst>
+                <a:tab pos="228600" algn="l"/>
+                <a:tab pos="914400" algn="l"/>
+              </a:tabLst>
+            </a:pPr>
+            <a:r>
+              <a:rPr lang="en-US" dirty="0">
+                <a:latin typeface="Gill Sans MT" panose="020B0502020104020203" pitchFamily="34" charset="0"/>
+                <a:ea typeface="Times New Roman" panose="02020603050405020304" pitchFamily="18" charset="0"/>
+              </a:rPr>
+              <a:t>Click Robot.</a:t>
+            </a:r>
+          </a:p>
+          <a:p>
+            <a:pPr marL="742950" marR="0" lvl="1" indent="-285750">
+              <a:spcBef>
+                <a:spcPts val="0"/>
+              </a:spcBef>
+              <a:spcAft>
+                <a:spcPts val="600"/>
+              </a:spcAft>
+              <a:buFont typeface="+mj-lt"/>
+              <a:buAutoNum type="alphaLcPeriod" startAt="6"/>
+              <a:tabLst>
+                <a:tab pos="228600" algn="l"/>
+                <a:tab pos="914400" algn="l"/>
+              </a:tabLst>
+            </a:pPr>
+            <a:r>
+              <a:rPr lang="en-US" dirty="0">
+                <a:latin typeface="Gill Sans MT" panose="020B0502020104020203" pitchFamily="34" charset="0"/>
+                <a:ea typeface="Times New Roman" panose="02020603050405020304" pitchFamily="18" charset="0"/>
+              </a:rPr>
+              <a:t>Click Motors and Sensors Set up.</a:t>
+            </a:r>
+          </a:p>
+          <a:p>
+            <a:pPr marL="742950" marR="0" lvl="1" indent="-285750">
+              <a:spcBef>
+                <a:spcPts val="0"/>
+              </a:spcBef>
+              <a:spcAft>
+                <a:spcPts val="600"/>
+              </a:spcAft>
+              <a:buFont typeface="+mj-lt"/>
+              <a:buAutoNum type="alphaLcPeriod" startAt="6"/>
+              <a:tabLst>
+                <a:tab pos="228600" algn="l"/>
+                <a:tab pos="914400" algn="l"/>
+              </a:tabLst>
+            </a:pPr>
+            <a:r>
+              <a:rPr lang="en-US" dirty="0">
+                <a:latin typeface="Gill Sans MT" panose="020B0502020104020203" pitchFamily="34" charset="0"/>
+                <a:ea typeface="Times New Roman" panose="02020603050405020304" pitchFamily="18" charset="0"/>
+              </a:rPr>
+              <a:t>Add the motors and sensors as shown below.</a:t>
+            </a:r>
+          </a:p>
+          <a:p>
+            <a:endParaRPr lang="en-US" sz="2800" dirty="0">
+              <a:latin typeface="Gill Sans MT" panose="020B0502020104020203" pitchFamily="34" charset="0"/>
+              <a:ea typeface="Times New Roman" panose="02020603050405020304" pitchFamily="18" charset="0"/>
+            </a:endParaRPr>
+          </a:p>
+        </p:txBody>
+      </p:sp>
     </p:spTree>
     <p:extLst>
       <p:ext uri="{BB962C8B-B14F-4D97-AF65-F5344CB8AC3E}">
@@ -6436,6 +6530,21 @@
 </file>
 
 <file path=customXml/item1.xml><?xml version="1.0" encoding="utf-8"?>
+<?mso-contentType ?>
+<FormTemplates xmlns="http://schemas.microsoft.com/sharepoint/v3/contenttype/forms">
+  <Display>DocumentLibraryForm</Display>
+  <Edit>DocumentLibraryForm</Edit>
+  <New>DocumentLibraryForm</New>
+</FormTemplates>
+</file>
+
+<file path=customXml/item2.xml><?xml version="1.0" encoding="utf-8"?>
+<p:properties xmlns:p="http://schemas.microsoft.com/office/2006/metadata/properties" xmlns:xsi="http://www.w3.org/2001/XMLSchema-instance" xmlns:pc="http://schemas.microsoft.com/office/infopath/2007/PartnerControls">
+  <documentManagement/>
+</p:properties>
+</file>
+
+<file path=customXml/item3.xml><?xml version="1.0" encoding="utf-8"?>
 <ct:contentTypeSchema xmlns:ct="http://schemas.microsoft.com/office/2006/metadata/contentType" xmlns:ma="http://schemas.microsoft.com/office/2006/metadata/properties/metaAttributes" ct:_="" ma:_="" ma:contentTypeName="Document" ma:contentTypeID="0x010100B2CFFF6E32BC2741AD9F46B98DF1E591" ma:contentTypeVersion="12" ma:contentTypeDescription="Create a new document." ma:contentTypeScope="" ma:versionID="cc7e5dec4cad37dcddbf4fbc40b2ba7d">
   <xsd:schema xmlns:xsd="http://www.w3.org/2001/XMLSchema" xmlns:xs="http://www.w3.org/2001/XMLSchema" xmlns:p="http://schemas.microsoft.com/office/2006/metadata/properties" xmlns:ns3="0763945f-b588-479b-8b34-69271d6243d3" xmlns:ns4="7401324f-32bb-40b2-aa72-be4933ebf616" targetNamespace="http://schemas.microsoft.com/office/2006/metadata/properties" ma:root="true" ma:fieldsID="7308f3befb4dbf03db1aba1913fb7b54" ns3:_="" ns4:_="">
     <xsd:import namespace="0763945f-b588-479b-8b34-69271d6243d3"/>
@@ -6650,36 +6759,10 @@
 </ct:contentTypeSchema>
 </file>
 
-<file path=customXml/item2.xml><?xml version="1.0" encoding="utf-8"?>
-<p:properties xmlns:p="http://schemas.microsoft.com/office/2006/metadata/properties" xmlns:xsi="http://www.w3.org/2001/XMLSchema-instance" xmlns:pc="http://schemas.microsoft.com/office/infopath/2007/PartnerControls">
-  <documentManagement/>
-</p:properties>
-</file>
-
-<file path=customXml/item3.xml><?xml version="1.0" encoding="utf-8"?>
-<?mso-contentType ?>
-<FormTemplates xmlns="http://schemas.microsoft.com/sharepoint/v3/contenttype/forms">
-  <Display>DocumentLibraryForm</Display>
-  <Edit>DocumentLibraryForm</Edit>
-  <New>DocumentLibraryForm</New>
-</FormTemplates>
-</file>
-
 <file path=customXml/itemProps1.xml><?xml version="1.0" encoding="utf-8"?>
-<ds:datastoreItem xmlns:ds="http://schemas.openxmlformats.org/officeDocument/2006/customXml" ds:itemID="{F2309ECC-E979-4482-868E-51113A9FEEBA}">
+<ds:datastoreItem xmlns:ds="http://schemas.openxmlformats.org/officeDocument/2006/customXml" ds:itemID="{47DC32A7-81A2-4FF8-8601-D53B8F3609D0}">
   <ds:schemaRefs>
-    <ds:schemaRef ds:uri="http://schemas.microsoft.com/office/2006/metadata/contentType"/>
-    <ds:schemaRef ds:uri="http://schemas.microsoft.com/office/2006/metadata/properties/metaAttributes"/>
-    <ds:schemaRef ds:uri="http://www.w3.org/2001/XMLSchema"/>
-    <ds:schemaRef ds:uri="http://schemas.microsoft.com/office/2006/metadata/properties"/>
-    <ds:schemaRef ds:uri="0763945f-b588-479b-8b34-69271d6243d3"/>
-    <ds:schemaRef ds:uri="7401324f-32bb-40b2-aa72-be4933ebf616"/>
-    <ds:schemaRef ds:uri="http://schemas.microsoft.com/office/2006/documentManagement/types"/>
-    <ds:schemaRef ds:uri="http://schemas.microsoft.com/office/infopath/2007/PartnerControls"/>
-    <ds:schemaRef ds:uri="http://schemas.openxmlformats.org/package/2006/metadata/core-properties"/>
-    <ds:schemaRef ds:uri="http://purl.org/dc/elements/1.1/"/>
-    <ds:schemaRef ds:uri="http://purl.org/dc/terms/"/>
-    <ds:schemaRef ds:uri="http://schemas.microsoft.com/internal/obd"/>
+    <ds:schemaRef ds:uri="http://schemas.microsoft.com/sharepoint/v3/contenttype/forms"/>
   </ds:schemaRefs>
 </ds:datastoreItem>
 </file>
@@ -6702,9 +6785,20 @@
 </file>
 
 <file path=customXml/itemProps3.xml><?xml version="1.0" encoding="utf-8"?>
-<ds:datastoreItem xmlns:ds="http://schemas.openxmlformats.org/officeDocument/2006/customXml" ds:itemID="{47DC32A7-81A2-4FF8-8601-D53B8F3609D0}">
+<ds:datastoreItem xmlns:ds="http://schemas.openxmlformats.org/officeDocument/2006/customXml" ds:itemID="{F2309ECC-E979-4482-868E-51113A9FEEBA}">
   <ds:schemaRefs>
-    <ds:schemaRef ds:uri="http://schemas.microsoft.com/sharepoint/v3/contenttype/forms"/>
+    <ds:schemaRef ds:uri="http://schemas.microsoft.com/office/2006/metadata/contentType"/>
+    <ds:schemaRef ds:uri="http://schemas.microsoft.com/office/2006/metadata/properties/metaAttributes"/>
+    <ds:schemaRef ds:uri="http://www.w3.org/2001/XMLSchema"/>
+    <ds:schemaRef ds:uri="http://schemas.microsoft.com/office/2006/metadata/properties"/>
+    <ds:schemaRef ds:uri="0763945f-b588-479b-8b34-69271d6243d3"/>
+    <ds:schemaRef ds:uri="7401324f-32bb-40b2-aa72-be4933ebf616"/>
+    <ds:schemaRef ds:uri="http://schemas.microsoft.com/office/2006/documentManagement/types"/>
+    <ds:schemaRef ds:uri="http://schemas.microsoft.com/office/infopath/2007/PartnerControls"/>
+    <ds:schemaRef ds:uri="http://schemas.openxmlformats.org/package/2006/metadata/core-properties"/>
+    <ds:schemaRef ds:uri="http://purl.org/dc/elements/1.1/"/>
+    <ds:schemaRef ds:uri="http://purl.org/dc/terms/"/>
+    <ds:schemaRef ds:uri="http://schemas.microsoft.com/internal/obd"/>
   </ds:schemaRefs>
 </ds:datastoreItem>
 </file>